--- a/ClusteringAlgoDevelopment/Figures V1.pptx
+++ b/ClusteringAlgoDevelopment/Figures V1.pptx
@@ -7,7 +7,7 @@
   <p:sldIdLst>
     <p:sldId id="256" r:id="rId2"/>
     <p:sldId id="257" r:id="rId3"/>
-    <p:sldId id="258" r:id="rId4"/>
+    <p:sldId id="260" r:id="rId4"/>
     <p:sldId id="259" r:id="rId5"/>
   </p:sldIdLst>
   <p:sldSz cx="6858000" cy="9907588"/>
@@ -107,6 +107,11 @@
       </a:defRPr>
     </a:lvl9pPr>
   </p:defaultTextStyle>
+  <p:extLst>
+    <p:ext uri="{EFAFB233-063F-42B5-8137-9DF3F51BA10A}">
+      <p15:sldGuideLst xmlns:p15="http://schemas.microsoft.com/office/powerpoint/2012/main"/>
+    </p:ext>
+  </p:extLst>
 </p:presentation>
 </file>
 
@@ -241,7 +246,7 @@
           <a:p>
             <a:fld id="{B491749B-C97B-7B40-8058-C54F2F8ED14D}" type="datetimeFigureOut">
               <a:rPr lang="en-DK" smtClean="0"/>
-              <a:t>11/03/2021</a:t>
+              <a:t>25/03/2021</a:t>
             </a:fld>
             <a:endParaRPr lang="en-DK"/>
           </a:p>
@@ -411,7 +416,7 @@
           <a:p>
             <a:fld id="{B491749B-C97B-7B40-8058-C54F2F8ED14D}" type="datetimeFigureOut">
               <a:rPr lang="en-DK" smtClean="0"/>
-              <a:t>11/03/2021</a:t>
+              <a:t>25/03/2021</a:t>
             </a:fld>
             <a:endParaRPr lang="en-DK"/>
           </a:p>
@@ -591,7 +596,7 @@
           <a:p>
             <a:fld id="{B491749B-C97B-7B40-8058-C54F2F8ED14D}" type="datetimeFigureOut">
               <a:rPr lang="en-DK" smtClean="0"/>
-              <a:t>11/03/2021</a:t>
+              <a:t>25/03/2021</a:t>
             </a:fld>
             <a:endParaRPr lang="en-DK"/>
           </a:p>
@@ -761,7 +766,7 @@
           <a:p>
             <a:fld id="{B491749B-C97B-7B40-8058-C54F2F8ED14D}" type="datetimeFigureOut">
               <a:rPr lang="en-DK" smtClean="0"/>
-              <a:t>11/03/2021</a:t>
+              <a:t>25/03/2021</a:t>
             </a:fld>
             <a:endParaRPr lang="en-DK"/>
           </a:p>
@@ -1005,7 +1010,7 @@
           <a:p>
             <a:fld id="{B491749B-C97B-7B40-8058-C54F2F8ED14D}" type="datetimeFigureOut">
               <a:rPr lang="en-DK" smtClean="0"/>
-              <a:t>11/03/2021</a:t>
+              <a:t>25/03/2021</a:t>
             </a:fld>
             <a:endParaRPr lang="en-DK"/>
           </a:p>
@@ -1237,7 +1242,7 @@
           <a:p>
             <a:fld id="{B491749B-C97B-7B40-8058-C54F2F8ED14D}" type="datetimeFigureOut">
               <a:rPr lang="en-DK" smtClean="0"/>
-              <a:t>11/03/2021</a:t>
+              <a:t>25/03/2021</a:t>
             </a:fld>
             <a:endParaRPr lang="en-DK"/>
           </a:p>
@@ -1604,7 +1609,7 @@
           <a:p>
             <a:fld id="{B491749B-C97B-7B40-8058-C54F2F8ED14D}" type="datetimeFigureOut">
               <a:rPr lang="en-DK" smtClean="0"/>
-              <a:t>11/03/2021</a:t>
+              <a:t>25/03/2021</a:t>
             </a:fld>
             <a:endParaRPr lang="en-DK"/>
           </a:p>
@@ -1722,7 +1727,7 @@
           <a:p>
             <a:fld id="{B491749B-C97B-7B40-8058-C54F2F8ED14D}" type="datetimeFigureOut">
               <a:rPr lang="en-DK" smtClean="0"/>
-              <a:t>11/03/2021</a:t>
+              <a:t>25/03/2021</a:t>
             </a:fld>
             <a:endParaRPr lang="en-DK"/>
           </a:p>
@@ -1817,7 +1822,7 @@
           <a:p>
             <a:fld id="{B491749B-C97B-7B40-8058-C54F2F8ED14D}" type="datetimeFigureOut">
               <a:rPr lang="en-DK" smtClean="0"/>
-              <a:t>11/03/2021</a:t>
+              <a:t>25/03/2021</a:t>
             </a:fld>
             <a:endParaRPr lang="en-DK"/>
           </a:p>
@@ -2094,7 +2099,7 @@
           <a:p>
             <a:fld id="{B491749B-C97B-7B40-8058-C54F2F8ED14D}" type="datetimeFigureOut">
               <a:rPr lang="en-DK" smtClean="0"/>
-              <a:t>11/03/2021</a:t>
+              <a:t>25/03/2021</a:t>
             </a:fld>
             <a:endParaRPr lang="en-DK"/>
           </a:p>
@@ -2351,7 +2356,7 @@
           <a:p>
             <a:fld id="{B491749B-C97B-7B40-8058-C54F2F8ED14D}" type="datetimeFigureOut">
               <a:rPr lang="en-DK" smtClean="0"/>
-              <a:t>11/03/2021</a:t>
+              <a:t>25/03/2021</a:t>
             </a:fld>
             <a:endParaRPr lang="en-DK"/>
           </a:p>
@@ -2564,7 +2569,7 @@
           <a:p>
             <a:fld id="{B491749B-C97B-7B40-8058-C54F2F8ED14D}" type="datetimeFigureOut">
               <a:rPr lang="en-DK" smtClean="0"/>
-              <a:t>11/03/2021</a:t>
+              <a:t>25/03/2021</a:t>
             </a:fld>
             <a:endParaRPr lang="en-DK"/>
           </a:p>
@@ -2971,10 +2976,10 @@
       </p:grpSpPr>
       <p:pic>
         <p:nvPicPr>
-          <p:cNvPr id="98" name="Picture 97">
+          <p:cNvPr id="7" name="Picture 6">
             <a:extLst>
               <a:ext uri="{FF2B5EF4-FFF2-40B4-BE49-F238E27FC236}">
-                <a16:creationId xmlns:a16="http://schemas.microsoft.com/office/drawing/2014/main" id="{330810A1-FE3A-D349-9398-9721C2641297}"/>
+                <a16:creationId xmlns:a16="http://schemas.microsoft.com/office/drawing/2014/main" id="{B59DA518-B642-0144-8E4C-3B185FBB746C}"/>
               </a:ext>
             </a:extLst>
           </p:cNvPr>
@@ -2999,42 +3004,12 @@
           </a:prstGeom>
         </p:spPr>
       </p:pic>
-      <p:pic>
-        <p:nvPicPr>
-          <p:cNvPr id="96" name="Picture 95">
+      <p:grpSp>
+        <p:nvGrpSpPr>
+          <p:cNvPr id="10" name="Group 9">
             <a:extLst>
               <a:ext uri="{FF2B5EF4-FFF2-40B4-BE49-F238E27FC236}">
-                <a16:creationId xmlns:a16="http://schemas.microsoft.com/office/drawing/2014/main" id="{DCC2D1BA-C6C6-3C47-90DB-D45FEFA15594}"/>
-              </a:ext>
-            </a:extLst>
-          </p:cNvPr>
-          <p:cNvPicPr>
-            <a:picLocks noChangeAspect="1"/>
-          </p:cNvPicPr>
-          <p:nvPr/>
-        </p:nvPicPr>
-        <p:blipFill>
-          <a:blip r:embed="rId3"/>
-          <a:stretch>
-            <a:fillRect/>
-          </a:stretch>
-        </p:blipFill>
-        <p:spPr>
-          <a:xfrm>
-            <a:off x="612779" y="1574963"/>
-            <a:ext cx="951418" cy="833229"/>
-          </a:xfrm>
-          <a:prstGeom prst="rect">
-            <a:avLst/>
-          </a:prstGeom>
-        </p:spPr>
-      </p:pic>
-      <p:grpSp>
-        <p:nvGrpSpPr>
-          <p:cNvPr id="81" name="Group 80">
-            <a:extLst>
-              <a:ext uri="{FF2B5EF4-FFF2-40B4-BE49-F238E27FC236}">
-                <a16:creationId xmlns:a16="http://schemas.microsoft.com/office/drawing/2014/main" id="{66061D07-5D9A-1C42-AA51-891D8DA38E6D}"/>
+                <a16:creationId xmlns:a16="http://schemas.microsoft.com/office/drawing/2014/main" id="{16772385-0256-BA49-8CCD-866E49B406C1}"/>
               </a:ext>
             </a:extLst>
           </p:cNvPr>
@@ -3045,74 +3020,16 @@
           <a:xfrm>
             <a:off x="-32644" y="115472"/>
             <a:ext cx="3126969" cy="2300357"/>
-            <a:chOff x="-53118" y="344378"/>
-            <a:chExt cx="3932272" cy="2915593"/>
+            <a:chOff x="-32644" y="115472"/>
+            <a:chExt cx="3126969" cy="2300357"/>
           </a:xfrm>
         </p:grpSpPr>
         <p:pic>
           <p:nvPicPr>
-            <p:cNvPr id="4" name="Picture 3">
+            <p:cNvPr id="96" name="Picture 95">
               <a:extLst>
                 <a:ext uri="{FF2B5EF4-FFF2-40B4-BE49-F238E27FC236}">
-                  <a16:creationId xmlns:a16="http://schemas.microsoft.com/office/drawing/2014/main" id="{A87C5854-4270-0A45-AD70-92E6CDE9C921}"/>
-                </a:ext>
-              </a:extLst>
-            </p:cNvPr>
-            <p:cNvPicPr>
-              <a:picLocks noChangeAspect="1"/>
-            </p:cNvPicPr>
-            <p:nvPr/>
-          </p:nvPicPr>
-          <p:blipFill rotWithShape="1">
-            <a:blip r:embed="rId4"/>
-            <a:srcRect t="12353"/>
-            <a:stretch/>
-          </p:blipFill>
-          <p:spPr>
-            <a:xfrm>
-              <a:off x="489262" y="565307"/>
-              <a:ext cx="1398725" cy="1164010"/>
-            </a:xfrm>
-            <a:prstGeom prst="rect">
-              <a:avLst/>
-            </a:prstGeom>
-          </p:spPr>
-        </p:pic>
-        <p:pic>
-          <p:nvPicPr>
-            <p:cNvPr id="5" name="Picture 4">
-              <a:extLst>
-                <a:ext uri="{FF2B5EF4-FFF2-40B4-BE49-F238E27FC236}">
-                  <a16:creationId xmlns:a16="http://schemas.microsoft.com/office/drawing/2014/main" id="{B311CFC9-FF89-5E4B-913E-5BE67411CE41}"/>
-                </a:ext>
-              </a:extLst>
-            </p:cNvPr>
-            <p:cNvPicPr>
-              <a:picLocks noChangeAspect="1"/>
-            </p:cNvPicPr>
-            <p:nvPr/>
-          </p:nvPicPr>
-          <p:blipFill rotWithShape="1">
-            <a:blip r:embed="rId5"/>
-            <a:srcRect t="14748"/>
-            <a:stretch/>
-          </p:blipFill>
-          <p:spPr>
-            <a:xfrm>
-              <a:off x="2393156" y="565307"/>
-              <a:ext cx="1243596" cy="1169488"/>
-            </a:xfrm>
-            <a:prstGeom prst="rect">
-              <a:avLst/>
-            </a:prstGeom>
-          </p:spPr>
-        </p:pic>
-        <p:pic>
-          <p:nvPicPr>
-            <p:cNvPr id="9" name="Picture 8">
-              <a:extLst>
-                <a:ext uri="{FF2B5EF4-FFF2-40B4-BE49-F238E27FC236}">
-                  <a16:creationId xmlns:a16="http://schemas.microsoft.com/office/drawing/2014/main" id="{20D5590B-0A2A-8B4B-BD1D-F28311737AD6}"/>
+                  <a16:creationId xmlns:a16="http://schemas.microsoft.com/office/drawing/2014/main" id="{DCC2D1BA-C6C6-3C47-90DB-D45FEFA15594}"/>
                 </a:ext>
               </a:extLst>
             </p:cNvPr>
@@ -3122,348 +3039,457 @@
             <p:nvPr/>
           </p:nvPicPr>
           <p:blipFill>
-            <a:blip r:embed="rId6"/>
+            <a:blip r:embed="rId3"/>
             <a:stretch>
               <a:fillRect/>
             </a:stretch>
           </p:blipFill>
           <p:spPr>
             <a:xfrm>
-              <a:off x="2360908" y="2184536"/>
-              <a:ext cx="1252703" cy="1075435"/>
+              <a:off x="612779" y="1574963"/>
+              <a:ext cx="951418" cy="833229"/>
             </a:xfrm>
             <a:prstGeom prst="rect">
               <a:avLst/>
             </a:prstGeom>
           </p:spPr>
         </p:pic>
-        <p:cxnSp>
-          <p:nvCxnSpPr>
-            <p:cNvPr id="43" name="Straight Arrow Connector 42">
+        <p:grpSp>
+          <p:nvGrpSpPr>
+            <p:cNvPr id="81" name="Group 80">
               <a:extLst>
                 <a:ext uri="{FF2B5EF4-FFF2-40B4-BE49-F238E27FC236}">
-                  <a16:creationId xmlns:a16="http://schemas.microsoft.com/office/drawing/2014/main" id="{096D3450-52B7-C14E-AB09-88F3422E2CF8}"/>
+                  <a16:creationId xmlns:a16="http://schemas.microsoft.com/office/drawing/2014/main" id="{66061D07-5D9A-1C42-AA51-891D8DA38E6D}"/>
                 </a:ext>
               </a:extLst>
             </p:cNvPr>
-            <p:cNvCxnSpPr>
-              <a:cxnSpLocks/>
-            </p:cNvCxnSpPr>
+            <p:cNvGrpSpPr/>
             <p:nvPr/>
-          </p:nvCxnSpPr>
-          <p:spPr>
+          </p:nvGrpSpPr>
+          <p:grpSpPr>
             <a:xfrm>
-              <a:off x="1990040" y="1173929"/>
-              <a:ext cx="260311" cy="0"/>
+              <a:off x="-32644" y="115472"/>
+              <a:ext cx="3126969" cy="2300357"/>
+              <a:chOff x="-53118" y="344378"/>
+              <a:chExt cx="3932272" cy="2915593"/>
             </a:xfrm>
-            <a:prstGeom prst="straightConnector1">
-              <a:avLst/>
-            </a:prstGeom>
-            <a:ln w="28575">
-              <a:solidFill>
+          </p:grpSpPr>
+          <p:pic>
+            <p:nvPicPr>
+              <p:cNvPr id="4" name="Picture 3">
+                <a:extLst>
+                  <a:ext uri="{FF2B5EF4-FFF2-40B4-BE49-F238E27FC236}">
+                    <a16:creationId xmlns:a16="http://schemas.microsoft.com/office/drawing/2014/main" id="{A87C5854-4270-0A45-AD70-92E6CDE9C921}"/>
+                  </a:ext>
+                </a:extLst>
+              </p:cNvPr>
+              <p:cNvPicPr>
+                <a:picLocks noChangeAspect="1"/>
+              </p:cNvPicPr>
+              <p:nvPr/>
+            </p:nvPicPr>
+            <p:blipFill rotWithShape="1">
+              <a:blip r:embed="rId4"/>
+              <a:srcRect t="12353"/>
+              <a:stretch/>
+            </p:blipFill>
+            <p:spPr>
+              <a:xfrm>
+                <a:off x="489262" y="565307"/>
+                <a:ext cx="1398725" cy="1164010"/>
+              </a:xfrm>
+              <a:prstGeom prst="rect">
+                <a:avLst/>
+              </a:prstGeom>
+            </p:spPr>
+          </p:pic>
+          <p:pic>
+            <p:nvPicPr>
+              <p:cNvPr id="5" name="Picture 4">
+                <a:extLst>
+                  <a:ext uri="{FF2B5EF4-FFF2-40B4-BE49-F238E27FC236}">
+                    <a16:creationId xmlns:a16="http://schemas.microsoft.com/office/drawing/2014/main" id="{B311CFC9-FF89-5E4B-913E-5BE67411CE41}"/>
+                  </a:ext>
+                </a:extLst>
+              </p:cNvPr>
+              <p:cNvPicPr>
+                <a:picLocks noChangeAspect="1"/>
+              </p:cNvPicPr>
+              <p:nvPr/>
+            </p:nvPicPr>
+            <p:blipFill rotWithShape="1">
+              <a:blip r:embed="rId5"/>
+              <a:srcRect t="14748"/>
+              <a:stretch/>
+            </p:blipFill>
+            <p:spPr>
+              <a:xfrm>
+                <a:off x="2393156" y="565307"/>
+                <a:ext cx="1243596" cy="1169488"/>
+              </a:xfrm>
+              <a:prstGeom prst="rect">
+                <a:avLst/>
+              </a:prstGeom>
+            </p:spPr>
+          </p:pic>
+          <p:pic>
+            <p:nvPicPr>
+              <p:cNvPr id="9" name="Picture 8">
+                <a:extLst>
+                  <a:ext uri="{FF2B5EF4-FFF2-40B4-BE49-F238E27FC236}">
+                    <a16:creationId xmlns:a16="http://schemas.microsoft.com/office/drawing/2014/main" id="{20D5590B-0A2A-8B4B-BD1D-F28311737AD6}"/>
+                  </a:ext>
+                </a:extLst>
+              </p:cNvPr>
+              <p:cNvPicPr>
+                <a:picLocks noChangeAspect="1"/>
+              </p:cNvPicPr>
+              <p:nvPr/>
+            </p:nvPicPr>
+            <p:blipFill>
+              <a:blip r:embed="rId6"/>
+              <a:stretch>
+                <a:fillRect/>
+              </a:stretch>
+            </p:blipFill>
+            <p:spPr>
+              <a:xfrm>
+                <a:off x="2360908" y="2184536"/>
+                <a:ext cx="1252703" cy="1075435"/>
+              </a:xfrm>
+              <a:prstGeom prst="rect">
+                <a:avLst/>
+              </a:prstGeom>
+            </p:spPr>
+          </p:pic>
+          <p:cxnSp>
+            <p:nvCxnSpPr>
+              <p:cNvPr id="43" name="Straight Arrow Connector 42">
+                <a:extLst>
+                  <a:ext uri="{FF2B5EF4-FFF2-40B4-BE49-F238E27FC236}">
+                    <a16:creationId xmlns:a16="http://schemas.microsoft.com/office/drawing/2014/main" id="{096D3450-52B7-C14E-AB09-88F3422E2CF8}"/>
+                  </a:ext>
+                </a:extLst>
+              </p:cNvPr>
+              <p:cNvCxnSpPr>
+                <a:cxnSpLocks/>
+              </p:cNvCxnSpPr>
+              <p:nvPr/>
+            </p:nvCxnSpPr>
+            <p:spPr>
+              <a:xfrm>
+                <a:off x="1990040" y="1173929"/>
+                <a:ext cx="260311" cy="0"/>
+              </a:xfrm>
+              <a:prstGeom prst="straightConnector1">
+                <a:avLst/>
+              </a:prstGeom>
+              <a:ln w="28575">
+                <a:solidFill>
+                  <a:schemeClr val="tx1"/>
+                </a:solidFill>
+                <a:tailEnd type="triangle"/>
+              </a:ln>
+            </p:spPr>
+            <p:style>
+              <a:lnRef idx="1">
+                <a:schemeClr val="accent1"/>
+              </a:lnRef>
+              <a:fillRef idx="0">
+                <a:schemeClr val="accent1"/>
+              </a:fillRef>
+              <a:effectRef idx="0">
+                <a:schemeClr val="accent1"/>
+              </a:effectRef>
+              <a:fontRef idx="minor">
                 <a:schemeClr val="tx1"/>
-              </a:solidFill>
-              <a:tailEnd type="triangle"/>
-            </a:ln>
-          </p:spPr>
-          <p:style>
-            <a:lnRef idx="1">
-              <a:schemeClr val="accent1"/>
-            </a:lnRef>
-            <a:fillRef idx="0">
-              <a:schemeClr val="accent1"/>
-            </a:fillRef>
-            <a:effectRef idx="0">
-              <a:schemeClr val="accent1"/>
-            </a:effectRef>
-            <a:fontRef idx="minor">
-              <a:schemeClr val="tx1"/>
-            </a:fontRef>
-          </p:style>
-        </p:cxnSp>
-        <p:cxnSp>
-          <p:nvCxnSpPr>
-            <p:cNvPr id="46" name="Curved Connector 45">
-              <a:extLst>
-                <a:ext uri="{FF2B5EF4-FFF2-40B4-BE49-F238E27FC236}">
-                  <a16:creationId xmlns:a16="http://schemas.microsoft.com/office/drawing/2014/main" id="{1A3B0BD8-FB21-3D4C-BFBB-FEB247F0D098}"/>
-                </a:ext>
-              </a:extLst>
-            </p:cNvPr>
-            <p:cNvCxnSpPr>
-              <a:cxnSpLocks/>
-              <a:endCxn id="4" idx="1"/>
-            </p:cNvCxnSpPr>
-            <p:nvPr/>
-          </p:nvCxnSpPr>
-          <p:spPr>
-            <a:xfrm rot="10800000">
-              <a:off x="489262" y="1147312"/>
-              <a:ext cx="147128" cy="1612398"/>
-            </a:xfrm>
-            <a:prstGeom prst="curvedConnector3">
-              <a:avLst>
-                <a:gd name="adj1" fmla="val 255375"/>
-              </a:avLst>
-            </a:prstGeom>
-            <a:ln w="28575">
-              <a:solidFill>
+              </a:fontRef>
+            </p:style>
+          </p:cxnSp>
+          <p:cxnSp>
+            <p:nvCxnSpPr>
+              <p:cNvPr id="46" name="Curved Connector 45">
+                <a:extLst>
+                  <a:ext uri="{FF2B5EF4-FFF2-40B4-BE49-F238E27FC236}">
+                    <a16:creationId xmlns:a16="http://schemas.microsoft.com/office/drawing/2014/main" id="{1A3B0BD8-FB21-3D4C-BFBB-FEB247F0D098}"/>
+                  </a:ext>
+                </a:extLst>
+              </p:cNvPr>
+              <p:cNvCxnSpPr>
+                <a:cxnSpLocks/>
+                <a:endCxn id="4" idx="1"/>
+              </p:cNvCxnSpPr>
+              <p:nvPr/>
+            </p:nvCxnSpPr>
+            <p:spPr>
+              <a:xfrm rot="10800000">
+                <a:off x="489262" y="1147312"/>
+                <a:ext cx="147128" cy="1612398"/>
+              </a:xfrm>
+              <a:prstGeom prst="curvedConnector3">
+                <a:avLst>
+                  <a:gd name="adj1" fmla="val 255375"/>
+                </a:avLst>
+              </a:prstGeom>
+              <a:ln w="28575">
+                <a:solidFill>
+                  <a:schemeClr val="tx1"/>
+                </a:solidFill>
+                <a:tailEnd type="triangle"/>
+              </a:ln>
+            </p:spPr>
+            <p:style>
+              <a:lnRef idx="1">
+                <a:schemeClr val="accent1"/>
+              </a:lnRef>
+              <a:fillRef idx="0">
+                <a:schemeClr val="accent1"/>
+              </a:fillRef>
+              <a:effectRef idx="0">
+                <a:schemeClr val="accent1"/>
+              </a:effectRef>
+              <a:fontRef idx="minor">
                 <a:schemeClr val="tx1"/>
-              </a:solidFill>
-              <a:tailEnd type="triangle"/>
-            </a:ln>
-          </p:spPr>
-          <p:style>
-            <a:lnRef idx="1">
-              <a:schemeClr val="accent1"/>
-            </a:lnRef>
-            <a:fillRef idx="0">
-              <a:schemeClr val="accent1"/>
-            </a:fillRef>
-            <a:effectRef idx="0">
-              <a:schemeClr val="accent1"/>
-            </a:effectRef>
-            <a:fontRef idx="minor">
-              <a:schemeClr val="tx1"/>
-            </a:fontRef>
-          </p:style>
-        </p:cxnSp>
-        <p:sp>
-          <p:nvSpPr>
-            <p:cNvPr id="49" name="TextBox 48">
-              <a:extLst>
-                <a:ext uri="{FF2B5EF4-FFF2-40B4-BE49-F238E27FC236}">
-                  <a16:creationId xmlns:a16="http://schemas.microsoft.com/office/drawing/2014/main" id="{98522A96-FCA4-4F4E-90CD-51CDE47583E5}"/>
-                </a:ext>
-              </a:extLst>
-            </p:cNvPr>
-            <p:cNvSpPr txBox="1"/>
-            <p:nvPr/>
-          </p:nvSpPr>
-          <p:spPr>
-            <a:xfrm>
-              <a:off x="358120" y="344378"/>
-              <a:ext cx="1892231" cy="312073"/>
-            </a:xfrm>
-            <a:prstGeom prst="rect">
-              <a:avLst/>
-            </a:prstGeom>
-            <a:noFill/>
-          </p:spPr>
-          <p:txBody>
-            <a:bodyPr wrap="square" rtlCol="0" anchor="ctr">
-              <a:spAutoFit/>
-            </a:bodyPr>
-            <a:lstStyle/>
-            <a:p>
-              <a:pPr algn="ctr"/>
-              <a:r>
-                <a:rPr lang="en-GB" sz="1000" dirty="0"/>
-                <a:t>Clustered distance metric</a:t>
-              </a:r>
-              <a:endParaRPr lang="en-DK" sz="1000" dirty="0"/>
-            </a:p>
-          </p:txBody>
-        </p:sp>
-        <p:sp>
-          <p:nvSpPr>
-            <p:cNvPr id="50" name="TextBox 49">
-              <a:extLst>
-                <a:ext uri="{FF2B5EF4-FFF2-40B4-BE49-F238E27FC236}">
-                  <a16:creationId xmlns:a16="http://schemas.microsoft.com/office/drawing/2014/main" id="{A735D778-48CD-644B-BFF7-9651C8CE7170}"/>
-                </a:ext>
-              </a:extLst>
-            </p:cNvPr>
-            <p:cNvSpPr txBox="1"/>
-            <p:nvPr/>
-          </p:nvSpPr>
-          <p:spPr>
-            <a:xfrm>
-              <a:off x="2050355" y="344378"/>
-              <a:ext cx="1828799" cy="312073"/>
-            </a:xfrm>
-            <a:prstGeom prst="rect">
-              <a:avLst/>
-            </a:prstGeom>
-            <a:noFill/>
-          </p:spPr>
-          <p:txBody>
-            <a:bodyPr wrap="square" rtlCol="0" anchor="ctr">
-              <a:spAutoFit/>
-            </a:bodyPr>
-            <a:lstStyle/>
-            <a:p>
-              <a:pPr algn="ctr"/>
-              <a:r>
-                <a:rPr lang="en-GB" sz="1000" dirty="0"/>
-                <a:t>Sample branch</a:t>
-              </a:r>
-              <a:endParaRPr lang="en-DK" sz="1000" dirty="0"/>
-            </a:p>
-          </p:txBody>
-        </p:sp>
-        <p:sp>
-          <p:nvSpPr>
-            <p:cNvPr id="51" name="TextBox 50">
-              <a:extLst>
-                <a:ext uri="{FF2B5EF4-FFF2-40B4-BE49-F238E27FC236}">
-                  <a16:creationId xmlns:a16="http://schemas.microsoft.com/office/drawing/2014/main" id="{5F69ADFE-9A34-4D49-B74E-88C260FBF20F}"/>
-                </a:ext>
-              </a:extLst>
-            </p:cNvPr>
-            <p:cNvSpPr txBox="1"/>
-            <p:nvPr/>
-          </p:nvSpPr>
-          <p:spPr>
-            <a:xfrm>
-              <a:off x="389836" y="1912463"/>
-              <a:ext cx="1828799" cy="312073"/>
-            </a:xfrm>
-            <a:prstGeom prst="rect">
-              <a:avLst/>
-            </a:prstGeom>
-            <a:noFill/>
-          </p:spPr>
-          <p:txBody>
-            <a:bodyPr wrap="square" rtlCol="0" anchor="ctr">
-              <a:spAutoFit/>
-            </a:bodyPr>
-            <a:lstStyle/>
-            <a:p>
-              <a:pPr algn="ctr"/>
-              <a:r>
-                <a:rPr lang="en-GB" sz="1000" dirty="0"/>
-                <a:t>Sample leaves</a:t>
-              </a:r>
-              <a:endParaRPr lang="en-DK" sz="1000" dirty="0"/>
-            </a:p>
-          </p:txBody>
-        </p:sp>
-        <p:sp>
-          <p:nvSpPr>
-            <p:cNvPr id="52" name="TextBox 51">
-              <a:extLst>
-                <a:ext uri="{FF2B5EF4-FFF2-40B4-BE49-F238E27FC236}">
-                  <a16:creationId xmlns:a16="http://schemas.microsoft.com/office/drawing/2014/main" id="{952EC279-0807-AF49-89F8-A7ACC3117BD9}"/>
-                </a:ext>
-              </a:extLst>
-            </p:cNvPr>
-            <p:cNvSpPr txBox="1"/>
-            <p:nvPr/>
-          </p:nvSpPr>
-          <p:spPr>
-            <a:xfrm rot="16200000">
-              <a:off x="-812702" y="1767673"/>
-              <a:ext cx="1828799" cy="309631"/>
-            </a:xfrm>
-            <a:prstGeom prst="rect">
-              <a:avLst/>
-            </a:prstGeom>
-            <a:noFill/>
-          </p:spPr>
-          <p:txBody>
-            <a:bodyPr wrap="square" rtlCol="0" anchor="ctr">
-              <a:spAutoFit/>
-            </a:bodyPr>
-            <a:lstStyle/>
-            <a:p>
-              <a:pPr algn="ctr"/>
-              <a:r>
-                <a:rPr lang="en-GB" sz="1000" dirty="0"/>
-                <a:t>Repeat per cluster</a:t>
-              </a:r>
-              <a:endParaRPr lang="en-DK" sz="1000" dirty="0"/>
-            </a:p>
-          </p:txBody>
-        </p:sp>
-        <p:cxnSp>
-          <p:nvCxnSpPr>
-            <p:cNvPr id="62" name="Straight Arrow Connector 61">
-              <a:extLst>
-                <a:ext uri="{FF2B5EF4-FFF2-40B4-BE49-F238E27FC236}">
-                  <a16:creationId xmlns:a16="http://schemas.microsoft.com/office/drawing/2014/main" id="{1D036139-F754-CC4E-967A-0B20B33BB4E4}"/>
-                </a:ext>
-              </a:extLst>
-            </p:cNvPr>
-            <p:cNvCxnSpPr>
-              <a:cxnSpLocks/>
-            </p:cNvCxnSpPr>
-            <p:nvPr/>
-          </p:nvCxnSpPr>
-          <p:spPr>
-            <a:xfrm flipH="1">
-              <a:off x="1786100" y="1683723"/>
-              <a:ext cx="607057" cy="614439"/>
-            </a:xfrm>
-            <a:prstGeom prst="straightConnector1">
-              <a:avLst/>
-            </a:prstGeom>
-            <a:ln w="28575">
-              <a:solidFill>
+              </a:fontRef>
+            </p:style>
+          </p:cxnSp>
+          <p:sp>
+            <p:nvSpPr>
+              <p:cNvPr id="49" name="TextBox 48">
+                <a:extLst>
+                  <a:ext uri="{FF2B5EF4-FFF2-40B4-BE49-F238E27FC236}">
+                    <a16:creationId xmlns:a16="http://schemas.microsoft.com/office/drawing/2014/main" id="{98522A96-FCA4-4F4E-90CD-51CDE47583E5}"/>
+                  </a:ext>
+                </a:extLst>
+              </p:cNvPr>
+              <p:cNvSpPr txBox="1"/>
+              <p:nvPr/>
+            </p:nvSpPr>
+            <p:spPr>
+              <a:xfrm>
+                <a:off x="358120" y="344378"/>
+                <a:ext cx="1892231" cy="312073"/>
+              </a:xfrm>
+              <a:prstGeom prst="rect">
+                <a:avLst/>
+              </a:prstGeom>
+              <a:noFill/>
+            </p:spPr>
+            <p:txBody>
+              <a:bodyPr wrap="square" rtlCol="0" anchor="ctr">
+                <a:spAutoFit/>
+              </a:bodyPr>
+              <a:lstStyle/>
+              <a:p>
+                <a:pPr algn="ctr"/>
+                <a:r>
+                  <a:rPr lang="en-GB" sz="1000" dirty="0"/>
+                  <a:t>Clustered distance metric</a:t>
+                </a:r>
+                <a:endParaRPr lang="en-DK" sz="1000" dirty="0"/>
+              </a:p>
+            </p:txBody>
+          </p:sp>
+          <p:sp>
+            <p:nvSpPr>
+              <p:cNvPr id="50" name="TextBox 49">
+                <a:extLst>
+                  <a:ext uri="{FF2B5EF4-FFF2-40B4-BE49-F238E27FC236}">
+                    <a16:creationId xmlns:a16="http://schemas.microsoft.com/office/drawing/2014/main" id="{A735D778-48CD-644B-BFF7-9651C8CE7170}"/>
+                  </a:ext>
+                </a:extLst>
+              </p:cNvPr>
+              <p:cNvSpPr txBox="1"/>
+              <p:nvPr/>
+            </p:nvSpPr>
+            <p:spPr>
+              <a:xfrm>
+                <a:off x="2050355" y="344378"/>
+                <a:ext cx="1828799" cy="312073"/>
+              </a:xfrm>
+              <a:prstGeom prst="rect">
+                <a:avLst/>
+              </a:prstGeom>
+              <a:noFill/>
+            </p:spPr>
+            <p:txBody>
+              <a:bodyPr wrap="square" rtlCol="0" anchor="ctr">
+                <a:spAutoFit/>
+              </a:bodyPr>
+              <a:lstStyle/>
+              <a:p>
+                <a:pPr algn="ctr"/>
+                <a:r>
+                  <a:rPr lang="en-GB" sz="1000" dirty="0"/>
+                  <a:t>Sample branch</a:t>
+                </a:r>
+                <a:endParaRPr lang="en-DK" sz="1000" dirty="0"/>
+              </a:p>
+            </p:txBody>
+          </p:sp>
+          <p:sp>
+            <p:nvSpPr>
+              <p:cNvPr id="51" name="TextBox 50">
+                <a:extLst>
+                  <a:ext uri="{FF2B5EF4-FFF2-40B4-BE49-F238E27FC236}">
+                    <a16:creationId xmlns:a16="http://schemas.microsoft.com/office/drawing/2014/main" id="{5F69ADFE-9A34-4D49-B74E-88C260FBF20F}"/>
+                  </a:ext>
+                </a:extLst>
+              </p:cNvPr>
+              <p:cNvSpPr txBox="1"/>
+              <p:nvPr/>
+            </p:nvSpPr>
+            <p:spPr>
+              <a:xfrm>
+                <a:off x="389836" y="1912463"/>
+                <a:ext cx="1828799" cy="312073"/>
+              </a:xfrm>
+              <a:prstGeom prst="rect">
+                <a:avLst/>
+              </a:prstGeom>
+              <a:noFill/>
+            </p:spPr>
+            <p:txBody>
+              <a:bodyPr wrap="square" rtlCol="0" anchor="ctr">
+                <a:spAutoFit/>
+              </a:bodyPr>
+              <a:lstStyle/>
+              <a:p>
+                <a:pPr algn="ctr"/>
+                <a:r>
+                  <a:rPr lang="en-GB" sz="1000" dirty="0"/>
+                  <a:t>Sample leaves</a:t>
+                </a:r>
+                <a:endParaRPr lang="en-DK" sz="1000" dirty="0"/>
+              </a:p>
+            </p:txBody>
+          </p:sp>
+          <p:sp>
+            <p:nvSpPr>
+              <p:cNvPr id="52" name="TextBox 51">
+                <a:extLst>
+                  <a:ext uri="{FF2B5EF4-FFF2-40B4-BE49-F238E27FC236}">
+                    <a16:creationId xmlns:a16="http://schemas.microsoft.com/office/drawing/2014/main" id="{952EC279-0807-AF49-89F8-A7ACC3117BD9}"/>
+                  </a:ext>
+                </a:extLst>
+              </p:cNvPr>
+              <p:cNvSpPr txBox="1"/>
+              <p:nvPr/>
+            </p:nvSpPr>
+            <p:spPr>
+              <a:xfrm rot="16200000">
+                <a:off x="-812702" y="1767673"/>
+                <a:ext cx="1828799" cy="309631"/>
+              </a:xfrm>
+              <a:prstGeom prst="rect">
+                <a:avLst/>
+              </a:prstGeom>
+              <a:noFill/>
+            </p:spPr>
+            <p:txBody>
+              <a:bodyPr wrap="square" rtlCol="0" anchor="ctr">
+                <a:spAutoFit/>
+              </a:bodyPr>
+              <a:lstStyle/>
+              <a:p>
+                <a:pPr algn="ctr"/>
+                <a:r>
+                  <a:rPr lang="en-GB" sz="1000" dirty="0"/>
+                  <a:t>Repeat per cluster</a:t>
+                </a:r>
+                <a:endParaRPr lang="en-DK" sz="1000" dirty="0"/>
+              </a:p>
+            </p:txBody>
+          </p:sp>
+          <p:cxnSp>
+            <p:nvCxnSpPr>
+              <p:cNvPr id="62" name="Straight Arrow Connector 61">
+                <a:extLst>
+                  <a:ext uri="{FF2B5EF4-FFF2-40B4-BE49-F238E27FC236}">
+                    <a16:creationId xmlns:a16="http://schemas.microsoft.com/office/drawing/2014/main" id="{1D036139-F754-CC4E-967A-0B20B33BB4E4}"/>
+                  </a:ext>
+                </a:extLst>
+              </p:cNvPr>
+              <p:cNvCxnSpPr>
+                <a:cxnSpLocks/>
+              </p:cNvCxnSpPr>
+              <p:nvPr/>
+            </p:nvCxnSpPr>
+            <p:spPr>
+              <a:xfrm flipH="1">
+                <a:off x="1786100" y="1683723"/>
+                <a:ext cx="607057" cy="614439"/>
+              </a:xfrm>
+              <a:prstGeom prst="straightConnector1">
+                <a:avLst/>
+              </a:prstGeom>
+              <a:ln w="28575">
+                <a:solidFill>
+                  <a:schemeClr val="tx1"/>
+                </a:solidFill>
+                <a:tailEnd type="triangle"/>
+              </a:ln>
+            </p:spPr>
+            <p:style>
+              <a:lnRef idx="1">
+                <a:schemeClr val="accent1"/>
+              </a:lnRef>
+              <a:fillRef idx="0">
+                <a:schemeClr val="accent1"/>
+              </a:fillRef>
+              <a:effectRef idx="0">
+                <a:schemeClr val="accent1"/>
+              </a:effectRef>
+              <a:fontRef idx="minor">
                 <a:schemeClr val="tx1"/>
-              </a:solidFill>
-              <a:tailEnd type="triangle"/>
-            </a:ln>
-          </p:spPr>
-          <p:style>
-            <a:lnRef idx="1">
-              <a:schemeClr val="accent1"/>
-            </a:lnRef>
-            <a:fillRef idx="0">
-              <a:schemeClr val="accent1"/>
-            </a:fillRef>
-            <a:effectRef idx="0">
-              <a:schemeClr val="accent1"/>
-            </a:effectRef>
-            <a:fontRef idx="minor">
-              <a:schemeClr val="tx1"/>
-            </a:fontRef>
-          </p:style>
-        </p:cxnSp>
-        <p:cxnSp>
-          <p:nvCxnSpPr>
-            <p:cNvPr id="72" name="Straight Arrow Connector 71">
-              <a:extLst>
-                <a:ext uri="{FF2B5EF4-FFF2-40B4-BE49-F238E27FC236}">
-                  <a16:creationId xmlns:a16="http://schemas.microsoft.com/office/drawing/2014/main" id="{F19463A8-73ED-9349-B3D8-7B0BA964DDEC}"/>
-                </a:ext>
-              </a:extLst>
-            </p:cNvPr>
-            <p:cNvCxnSpPr>
-              <a:cxnSpLocks/>
-            </p:cNvCxnSpPr>
-            <p:nvPr/>
-          </p:nvCxnSpPr>
-          <p:spPr>
-            <a:xfrm>
-              <a:off x="1990040" y="2659455"/>
-              <a:ext cx="260311" cy="0"/>
-            </a:xfrm>
-            <a:prstGeom prst="straightConnector1">
-              <a:avLst/>
-            </a:prstGeom>
-            <a:ln w="28575">
-              <a:solidFill>
+              </a:fontRef>
+            </p:style>
+          </p:cxnSp>
+          <p:cxnSp>
+            <p:nvCxnSpPr>
+              <p:cNvPr id="72" name="Straight Arrow Connector 71">
+                <a:extLst>
+                  <a:ext uri="{FF2B5EF4-FFF2-40B4-BE49-F238E27FC236}">
+                    <a16:creationId xmlns:a16="http://schemas.microsoft.com/office/drawing/2014/main" id="{F19463A8-73ED-9349-B3D8-7B0BA964DDEC}"/>
+                  </a:ext>
+                </a:extLst>
+              </p:cNvPr>
+              <p:cNvCxnSpPr>
+                <a:cxnSpLocks/>
+              </p:cNvCxnSpPr>
+              <p:nvPr/>
+            </p:nvCxnSpPr>
+            <p:spPr>
+              <a:xfrm>
+                <a:off x="1990040" y="2659455"/>
+                <a:ext cx="260311" cy="0"/>
+              </a:xfrm>
+              <a:prstGeom prst="straightConnector1">
+                <a:avLst/>
+              </a:prstGeom>
+              <a:ln w="28575">
+                <a:solidFill>
+                  <a:schemeClr val="tx1"/>
+                </a:solidFill>
+                <a:tailEnd type="triangle"/>
+              </a:ln>
+            </p:spPr>
+            <p:style>
+              <a:lnRef idx="1">
+                <a:schemeClr val="accent1"/>
+              </a:lnRef>
+              <a:fillRef idx="0">
+                <a:schemeClr val="accent1"/>
+              </a:fillRef>
+              <a:effectRef idx="0">
+                <a:schemeClr val="accent1"/>
+              </a:effectRef>
+              <a:fontRef idx="minor">
                 <a:schemeClr val="tx1"/>
-              </a:solidFill>
-              <a:tailEnd type="triangle"/>
-            </a:ln>
-          </p:spPr>
-          <p:style>
-            <a:lnRef idx="1">
-              <a:schemeClr val="accent1"/>
-            </a:lnRef>
-            <a:fillRef idx="0">
-              <a:schemeClr val="accent1"/>
-            </a:fillRef>
-            <a:effectRef idx="0">
-              <a:schemeClr val="accent1"/>
-            </a:effectRef>
-            <a:fontRef idx="minor">
-              <a:schemeClr val="tx1"/>
-            </a:fontRef>
-          </p:style>
-        </p:cxnSp>
+              </a:fontRef>
+            </p:style>
+          </p:cxnSp>
+        </p:grpSp>
       </p:grpSp>
       <p:sp>
         <p:nvSpPr>
@@ -3496,6 +3522,154 @@
             <a:r>
               <a:rPr lang="en-DK" dirty="0"/>
               <a:t>Figure 1</a:t>
+            </a:r>
+          </a:p>
+        </p:txBody>
+      </p:sp>
+      <p:sp>
+        <p:nvSpPr>
+          <p:cNvPr id="2" name="TextBox 1">
+            <a:extLst>
+              <a:ext uri="{FF2B5EF4-FFF2-40B4-BE49-F238E27FC236}">
+                <a16:creationId xmlns:a16="http://schemas.microsoft.com/office/drawing/2014/main" id="{486CAF14-943F-AC4B-BB7B-6D0F3165461A}"/>
+              </a:ext>
+            </a:extLst>
+          </p:cNvPr>
+          <p:cNvSpPr txBox="1"/>
+          <p:nvPr/>
+        </p:nvSpPr>
+        <p:spPr>
+          <a:xfrm>
+            <a:off x="3299988" y="9223996"/>
+            <a:ext cx="2537426" cy="369332"/>
+          </a:xfrm>
+          <a:prstGeom prst="rect">
+            <a:avLst/>
+          </a:prstGeom>
+          <a:noFill/>
+        </p:spPr>
+        <p:txBody>
+          <a:bodyPr wrap="none" rtlCol="0">
+            <a:spAutoFit/>
+          </a:bodyPr>
+          <a:lstStyle/>
+          <a:p>
+            <a:r>
+              <a:rPr lang="en-GB" dirty="0"/>
+              <a:t>N</a:t>
+            </a:r>
+            <a:r>
+              <a:rPr lang="en-DK" dirty="0"/>
+              <a:t>umber of unique words</a:t>
+            </a:r>
+          </a:p>
+        </p:txBody>
+      </p:sp>
+      <p:sp>
+        <p:nvSpPr>
+          <p:cNvPr id="3" name="TextBox 2">
+            <a:extLst>
+              <a:ext uri="{FF2B5EF4-FFF2-40B4-BE49-F238E27FC236}">
+                <a16:creationId xmlns:a16="http://schemas.microsoft.com/office/drawing/2014/main" id="{C577A390-7BE1-224D-8246-52F78A5D2AFA}"/>
+              </a:ext>
+            </a:extLst>
+          </p:cNvPr>
+          <p:cNvSpPr txBox="1"/>
+          <p:nvPr/>
+        </p:nvSpPr>
+        <p:spPr>
+          <a:xfrm>
+            <a:off x="3472004" y="8148119"/>
+            <a:ext cx="3173946" cy="369332"/>
+          </a:xfrm>
+          <a:prstGeom prst="rect">
+            <a:avLst/>
+          </a:prstGeom>
+          <a:noFill/>
+        </p:spPr>
+        <p:txBody>
+          <a:bodyPr wrap="none" rtlCol="0">
+            <a:spAutoFit/>
+          </a:bodyPr>
+          <a:lstStyle/>
+          <a:p>
+            <a:r>
+              <a:rPr lang="en-GB" dirty="0"/>
+              <a:t>W</a:t>
+            </a:r>
+            <a:r>
+              <a:rPr lang="en-DK" dirty="0"/>
+              <a:t>ords present in GO title/ titles</a:t>
+            </a:r>
+          </a:p>
+        </p:txBody>
+      </p:sp>
+      <p:sp>
+        <p:nvSpPr>
+          <p:cNvPr id="19" name="Rectangle 18">
+            <a:extLst>
+              <a:ext uri="{FF2B5EF4-FFF2-40B4-BE49-F238E27FC236}">
+                <a16:creationId xmlns:a16="http://schemas.microsoft.com/office/drawing/2014/main" id="{7CEF6C18-DE8F-9944-833B-8AC2F66F467E}"/>
+              </a:ext>
+            </a:extLst>
+          </p:cNvPr>
+          <p:cNvSpPr/>
+          <p:nvPr/>
+        </p:nvSpPr>
+        <p:spPr>
+          <a:xfrm>
+            <a:off x="7513420" y="6482371"/>
+            <a:ext cx="6476599" cy="2308324"/>
+          </a:xfrm>
+          <a:prstGeom prst="rect">
+            <a:avLst/>
+          </a:prstGeom>
+        </p:spPr>
+        <p:txBody>
+          <a:bodyPr wrap="square">
+            <a:spAutoFit/>
+          </a:bodyPr>
+          <a:lstStyle/>
+          <a:p>
+            <a:r>
+              <a:rPr lang="en-DK" dirty="0"/>
+              <a:t>go_terms &lt;- c("foo foo bar baz", "foo bar", "bar baz")</a:t>
+            </a:r>
+          </a:p>
+          <a:p>
+            <a:r>
+              <a:rPr lang="en-DK" dirty="0"/>
+              <a:t>words &lt;- str_split(go_terms, " ")</a:t>
+            </a:r>
+          </a:p>
+          <a:p>
+            <a:r>
+              <a:rPr lang="en-DK" dirty="0"/>
+              <a:t>words &lt;- lapply(words, unique)</a:t>
+            </a:r>
+          </a:p>
+          <a:p>
+            <a:endParaRPr lang="en-DK" dirty="0"/>
+          </a:p>
+          <a:p>
+            <a:r>
+              <a:rPr lang="en-DK" dirty="0"/>
+              <a:t>word_counts &lt;- table(unlist(words))</a:t>
+            </a:r>
+          </a:p>
+          <a:p>
+            <a:endParaRPr lang="en-DK" dirty="0"/>
+          </a:p>
+          <a:p>
+            <a:r>
+              <a:rPr lang="en-DK" dirty="0"/>
+              <a:t>mean(word_counts / length(words))</a:t>
+            </a:r>
+          </a:p>
+          <a:p>
+            <a:r>
+              <a:rPr lang="en-DK" dirty="0"/>
+              <a:t>mean(word_counts[word_counts &gt; 1] / length(words))</a:t>
             </a:r>
           </a:p>
         </p:txBody>
@@ -3565,69 +3739,32 @@
           </a:p>
         </p:txBody>
       </p:sp>
-      <p:sp>
-        <p:nvSpPr>
-          <p:cNvPr id="7" name="TextBox 6">
+      <p:grpSp>
+        <p:nvGrpSpPr>
+          <p:cNvPr id="6" name="Group 5">
             <a:extLst>
               <a:ext uri="{FF2B5EF4-FFF2-40B4-BE49-F238E27FC236}">
-                <a16:creationId xmlns:a16="http://schemas.microsoft.com/office/drawing/2014/main" id="{E8DFA2C3-63E7-5B49-9AAA-0BF062B821AA}"/>
+                <a16:creationId xmlns:a16="http://schemas.microsoft.com/office/drawing/2014/main" id="{AE105858-25E1-B249-85B1-EF88A436104A}"/>
               </a:ext>
             </a:extLst>
           </p:cNvPr>
-          <p:cNvSpPr txBox="1"/>
-          <p:nvPr/>
-        </p:nvSpPr>
-        <p:spPr>
-          <a:xfrm>
-            <a:off x="104660" y="170761"/>
-            <a:ext cx="317716" cy="369332"/>
-          </a:xfrm>
-          <a:prstGeom prst="rect">
-            <a:avLst/>
-          </a:prstGeom>
-          <a:noFill/>
-        </p:spPr>
-        <p:txBody>
-          <a:bodyPr wrap="none" rtlCol="0">
-            <a:spAutoFit/>
-          </a:bodyPr>
-          <a:lstStyle/>
-          <a:p>
-            <a:r>
-              <a:rPr lang="en-DK" dirty="0"/>
-              <a:t>A</a:t>
-            </a:r>
-          </a:p>
-        </p:txBody>
-      </p:sp>
-      <p:grpSp>
-        <p:nvGrpSpPr>
-          <p:cNvPr id="31" name="Group 30">
-            <a:extLst>
-              <a:ext uri="{FF2B5EF4-FFF2-40B4-BE49-F238E27FC236}">
-                <a16:creationId xmlns:a16="http://schemas.microsoft.com/office/drawing/2014/main" id="{E943EA68-708B-2E47-9C00-3660947018C2}"/>
-              </a:ext>
-            </a:extLst>
-          </p:cNvPr>
-          <p:cNvGrpSpPr>
-            <a:grpSpLocks noChangeAspect="1"/>
-          </p:cNvGrpSpPr>
+          <p:cNvGrpSpPr/>
           <p:nvPr/>
         </p:nvGrpSpPr>
         <p:grpSpPr>
           <a:xfrm>
-            <a:off x="104660" y="540093"/>
-            <a:ext cx="2852953" cy="2764137"/>
-            <a:chOff x="104660" y="540093"/>
-            <a:chExt cx="3596711" cy="3697222"/>
+            <a:off x="-191028" y="2053276"/>
+            <a:ext cx="7314915" cy="3245521"/>
+            <a:chOff x="-226858" y="3580324"/>
+            <a:chExt cx="7314915" cy="3245521"/>
           </a:xfrm>
         </p:grpSpPr>
         <p:pic>
           <p:nvPicPr>
-            <p:cNvPr id="25" name="Picture 24">
+            <p:cNvPr id="90" name="Picture 89">
               <a:extLst>
                 <a:ext uri="{FF2B5EF4-FFF2-40B4-BE49-F238E27FC236}">
-                  <a16:creationId xmlns:a16="http://schemas.microsoft.com/office/drawing/2014/main" id="{FAACBEFB-BD1D-ED4C-BDFD-22BD64CFD689}"/>
+                  <a16:creationId xmlns:a16="http://schemas.microsoft.com/office/drawing/2014/main" id="{02927A7F-963E-1D45-AA2F-AF5EB9BA3E73}"/>
                 </a:ext>
               </a:extLst>
             </p:cNvPr>
@@ -3644,20 +3781,63 @@
           </p:blipFill>
           <p:spPr>
             <a:xfrm>
-              <a:off x="1901371" y="2114925"/>
-              <a:ext cx="1800000" cy="1799999"/>
+              <a:off x="3436676" y="5223386"/>
+              <a:ext cx="1602459" cy="1602459"/>
             </a:xfrm>
             <a:prstGeom prst="rect">
               <a:avLst/>
             </a:prstGeom>
           </p:spPr>
         </p:pic>
+        <p:sp>
+          <p:nvSpPr>
+            <p:cNvPr id="88" name="TextBox 87">
+              <a:extLst>
+                <a:ext uri="{FF2B5EF4-FFF2-40B4-BE49-F238E27FC236}">
+                  <a16:creationId xmlns:a16="http://schemas.microsoft.com/office/drawing/2014/main" id="{05A8A978-0903-C147-A00E-972319727769}"/>
+                </a:ext>
+              </a:extLst>
+            </p:cNvPr>
+            <p:cNvSpPr txBox="1"/>
+            <p:nvPr/>
+          </p:nvSpPr>
+          <p:spPr>
+            <a:xfrm>
+              <a:off x="3895375" y="5216922"/>
+              <a:ext cx="787395" cy="307777"/>
+            </a:xfrm>
+            <a:prstGeom prst="rect">
+              <a:avLst/>
+            </a:prstGeom>
+            <a:noFill/>
+          </p:spPr>
+          <p:txBody>
+            <a:bodyPr wrap="none" rtlCol="0">
+              <a:spAutoFit/>
+            </a:bodyPr>
+            <a:lstStyle/>
+            <a:p>
+              <a:pPr algn="ctr"/>
+              <a:r>
+                <a:rPr lang="en-DK" sz="700" b="1" dirty="0"/>
+                <a:t>Cluster shortest</a:t>
+              </a:r>
+            </a:p>
+            <a:p>
+              <a:pPr algn="ctr"/>
+              <a:r>
+                <a:rPr lang="en-DK" sz="700" b="1" dirty="0"/>
+                <a:t>random walk</a:t>
+              </a:r>
+            </a:p>
+          </p:txBody>
+        </p:sp>
         <p:pic>
           <p:nvPicPr>
-            <p:cNvPr id="16" name="Picture 15">
+            <p:cNvPr id="94" name="Picture 93">
               <a:extLst>
                 <a:ext uri="{FF2B5EF4-FFF2-40B4-BE49-F238E27FC236}">
-                  <a16:creationId xmlns:a16="http://schemas.microsoft.com/office/drawing/2014/main" id="{83B214BA-74C7-1047-9167-15416ABED220}"/>
+                  <a16:creationId xmlns:a16="http://schemas.microsoft.com/office/drawing/2014/main" id="{76B4429F-5521-7144-9A37-F55BD5E7E8A7}"/>
                 </a:ext>
               </a:extLst>
             </p:cNvPr>
@@ -3674,8 +3854,8 @@
           </p:blipFill>
           <p:spPr>
             <a:xfrm>
-              <a:off x="104660" y="540093"/>
-              <a:ext cx="1800000" cy="1800000"/>
+              <a:off x="3436676" y="3580324"/>
+              <a:ext cx="1602000" cy="1602000"/>
             </a:xfrm>
             <a:prstGeom prst="rect">
               <a:avLst/>
@@ -3684,10 +3864,39 @@
         </p:pic>
         <p:pic>
           <p:nvPicPr>
-            <p:cNvPr id="17" name="Picture 16">
+            <p:cNvPr id="85" name="Picture 84">
               <a:extLst>
                 <a:ext uri="{FF2B5EF4-FFF2-40B4-BE49-F238E27FC236}">
-                  <a16:creationId xmlns:a16="http://schemas.microsoft.com/office/drawing/2014/main" id="{22471B6F-11B9-EB49-B189-D7C053EAF7BE}"/>
+                  <a16:creationId xmlns:a16="http://schemas.microsoft.com/office/drawing/2014/main" id="{C4EF1454-93FB-1C47-A9F0-CD12ADC27B3C}"/>
+                </a:ext>
+              </a:extLst>
+            </p:cNvPr>
+            <p:cNvPicPr>
+              <a:picLocks noChangeAspect="1"/>
+            </p:cNvPicPr>
+            <p:nvPr/>
+          </p:nvPicPr>
+          <p:blipFill rotWithShape="1">
+            <a:blip r:embed="rId4"/>
+            <a:srcRect l="14814" t="46698" r="11305" b="28050"/>
+            <a:stretch/>
+          </p:blipFill>
+          <p:spPr>
+            <a:xfrm>
+              <a:off x="436464" y="5908223"/>
+              <a:ext cx="2178000" cy="744412"/>
+            </a:xfrm>
+            <a:prstGeom prst="rect">
+              <a:avLst/>
+            </a:prstGeom>
+          </p:spPr>
+        </p:pic>
+        <p:pic>
+          <p:nvPicPr>
+            <p:cNvPr id="76" name="Picture 75">
+              <a:extLst>
+                <a:ext uri="{FF2B5EF4-FFF2-40B4-BE49-F238E27FC236}">
+                  <a16:creationId xmlns:a16="http://schemas.microsoft.com/office/drawing/2014/main" id="{60AB7A81-8D0E-F249-9100-97F9215F50A0}"/>
                 </a:ext>
               </a:extLst>
             </p:cNvPr>
@@ -3697,44 +3906,15 @@
             <p:nvPr/>
           </p:nvPicPr>
           <p:blipFill>
-            <a:blip r:embed="rId4"/>
+            <a:blip r:embed="rId5"/>
             <a:stretch>
               <a:fillRect/>
             </a:stretch>
           </p:blipFill>
           <p:spPr>
-            <a:xfrm>
-              <a:off x="1901371" y="540093"/>
-              <a:ext cx="1800000" cy="1800000"/>
-            </a:xfrm>
-            <a:prstGeom prst="rect">
-              <a:avLst/>
-            </a:prstGeom>
-          </p:spPr>
-        </p:pic>
-        <p:pic>
-          <p:nvPicPr>
-            <p:cNvPr id="21" name="Picture 20">
-              <a:extLst>
-                <a:ext uri="{FF2B5EF4-FFF2-40B4-BE49-F238E27FC236}">
-                  <a16:creationId xmlns:a16="http://schemas.microsoft.com/office/drawing/2014/main" id="{D67E1D73-38DE-544D-B813-9FD1A23CD2AF}"/>
-                </a:ext>
-              </a:extLst>
-            </p:cNvPr>
-            <p:cNvPicPr>
-              <a:picLocks noChangeAspect="1"/>
-            </p:cNvPicPr>
-            <p:nvPr/>
-          </p:nvPicPr>
-          <p:blipFill rotWithShape="1">
-            <a:blip r:embed="rId5"/>
-            <a:srcRect l="20879" t="50000" r="12256" b="33786"/>
-            <a:stretch/>
-          </p:blipFill>
-          <p:spPr>
-            <a:xfrm>
-              <a:off x="1307698" y="3845948"/>
-              <a:ext cx="1613939" cy="391367"/>
+            <a:xfrm rot="3600000">
+              <a:off x="4467132" y="3764918"/>
+              <a:ext cx="2620925" cy="2620925"/>
             </a:xfrm>
             <a:prstGeom prst="rect">
               <a:avLst/>
@@ -3743,10 +3923,10 @@
         </p:pic>
         <p:cxnSp>
           <p:nvCxnSpPr>
-            <p:cNvPr id="22" name="Straight Arrow Connector 21">
+            <p:cNvPr id="84" name="Straight Arrow Connector 83">
               <a:extLst>
                 <a:ext uri="{FF2B5EF4-FFF2-40B4-BE49-F238E27FC236}">
-                  <a16:creationId xmlns:a16="http://schemas.microsoft.com/office/drawing/2014/main" id="{23C6D8A2-FC5F-8348-9E86-C467F312E1F1}"/>
+                  <a16:creationId xmlns:a16="http://schemas.microsoft.com/office/drawing/2014/main" id="{81D1F98E-320A-D746-9CBB-A6E1DDD5A37C}"/>
                 </a:ext>
               </a:extLst>
             </p:cNvPr>
@@ -3757,82 +3937,8 @@
           </p:nvCxnSpPr>
           <p:spPr>
             <a:xfrm>
-              <a:off x="1761427" y="1362044"/>
-              <a:ext cx="248400" cy="0"/>
-            </a:xfrm>
-            <a:prstGeom prst="straightConnector1">
-              <a:avLst/>
-            </a:prstGeom>
-            <a:ln w="28575">
-              <a:solidFill>
-                <a:schemeClr val="tx1"/>
-              </a:solidFill>
-              <a:tailEnd type="triangle"/>
-            </a:ln>
-          </p:spPr>
-          <p:style>
-            <a:lnRef idx="1">
-              <a:schemeClr val="accent1"/>
-            </a:lnRef>
-            <a:fillRef idx="0">
-              <a:schemeClr val="accent1"/>
-            </a:fillRef>
-            <a:effectRef idx="0">
-              <a:schemeClr val="accent1"/>
-            </a:effectRef>
-            <a:fontRef idx="minor">
-              <a:schemeClr val="tx1"/>
-            </a:fontRef>
-          </p:style>
-        </p:cxnSp>
-        <p:pic>
-          <p:nvPicPr>
-            <p:cNvPr id="26" name="Picture 25">
-              <a:extLst>
-                <a:ext uri="{FF2B5EF4-FFF2-40B4-BE49-F238E27FC236}">
-                  <a16:creationId xmlns:a16="http://schemas.microsoft.com/office/drawing/2014/main" id="{083E3055-D7A8-3D49-B563-CB47AEE7A866}"/>
-                </a:ext>
-              </a:extLst>
-            </p:cNvPr>
-            <p:cNvPicPr>
-              <a:picLocks noChangeAspect="1"/>
-            </p:cNvPicPr>
-            <p:nvPr/>
-          </p:nvPicPr>
-          <p:blipFill>
-            <a:blip r:embed="rId6"/>
-            <a:stretch>
-              <a:fillRect/>
-            </a:stretch>
-          </p:blipFill>
-          <p:spPr>
-            <a:xfrm>
-              <a:off x="104660" y="2244077"/>
-              <a:ext cx="1800000" cy="1800000"/>
-            </a:xfrm>
-            <a:prstGeom prst="rect">
-              <a:avLst/>
-            </a:prstGeom>
-          </p:spPr>
-        </p:pic>
-        <p:cxnSp>
-          <p:nvCxnSpPr>
-            <p:cNvPr id="27" name="Straight Arrow Connector 26">
-              <a:extLst>
-                <a:ext uri="{FF2B5EF4-FFF2-40B4-BE49-F238E27FC236}">
-                  <a16:creationId xmlns:a16="http://schemas.microsoft.com/office/drawing/2014/main" id="{4E0C8844-E25B-1247-B167-AA066BEEDAFA}"/>
-                </a:ext>
-              </a:extLst>
-            </p:cNvPr>
-            <p:cNvCxnSpPr>
-              <a:cxnSpLocks/>
-            </p:cNvCxnSpPr>
-            <p:nvPr/>
-          </p:nvCxnSpPr>
-          <p:spPr>
-            <a:xfrm>
-              <a:off x="1761427" y="3035952"/>
-              <a:ext cx="248400" cy="0"/>
+              <a:off x="5136661" y="5152154"/>
+              <a:ext cx="212118" cy="0"/>
             </a:xfrm>
             <a:prstGeom prst="straightConnector1">
               <a:avLst/>
@@ -3861,10 +3967,10 @@
         </p:cxnSp>
         <p:cxnSp>
           <p:nvCxnSpPr>
-            <p:cNvPr id="28" name="Straight Arrow Connector 27">
+            <p:cNvPr id="91" name="Straight Connector 90">
               <a:extLst>
                 <a:ext uri="{FF2B5EF4-FFF2-40B4-BE49-F238E27FC236}">
-                  <a16:creationId xmlns:a16="http://schemas.microsoft.com/office/drawing/2014/main" id="{1C19F1CB-CAD7-A743-B319-082979A331E5}"/>
+                  <a16:creationId xmlns:a16="http://schemas.microsoft.com/office/drawing/2014/main" id="{8E169E2E-AC97-8749-ABA6-17604B02D20F}"/>
                 </a:ext>
               </a:extLst>
             </p:cNvPr>
@@ -3875,8 +3981,464 @@
           </p:nvCxnSpPr>
           <p:spPr>
             <a:xfrm>
-              <a:off x="939656" y="2119877"/>
-              <a:ext cx="0" cy="248400"/>
+              <a:off x="3873902" y="3883547"/>
+              <a:ext cx="0" cy="2691147"/>
+            </a:xfrm>
+            <a:prstGeom prst="line">
+              <a:avLst/>
+            </a:prstGeom>
+            <a:ln w="9525">
+              <a:solidFill>
+                <a:schemeClr val="bg1">
+                  <a:lumMod val="50000"/>
+                </a:schemeClr>
+              </a:solidFill>
+              <a:prstDash val="dash"/>
+            </a:ln>
+          </p:spPr>
+          <p:style>
+            <a:lnRef idx="1">
+              <a:schemeClr val="accent1"/>
+            </a:lnRef>
+            <a:fillRef idx="0">
+              <a:schemeClr val="accent1"/>
+            </a:fillRef>
+            <a:effectRef idx="0">
+              <a:schemeClr val="accent1"/>
+            </a:effectRef>
+            <a:fontRef idx="minor">
+              <a:schemeClr val="tx1"/>
+            </a:fontRef>
+          </p:style>
+        </p:cxnSp>
+        <p:grpSp>
+          <p:nvGrpSpPr>
+            <p:cNvPr id="9" name="Group 8">
+              <a:extLst>
+                <a:ext uri="{FF2B5EF4-FFF2-40B4-BE49-F238E27FC236}">
+                  <a16:creationId xmlns:a16="http://schemas.microsoft.com/office/drawing/2014/main" id="{130433CF-8541-E440-80A4-EE016F152E81}"/>
+                </a:ext>
+              </a:extLst>
+            </p:cNvPr>
+            <p:cNvGrpSpPr/>
+            <p:nvPr/>
+          </p:nvGrpSpPr>
+          <p:grpSpPr>
+            <a:xfrm>
+              <a:off x="1395342" y="4261223"/>
+              <a:ext cx="1965650" cy="1800000"/>
+              <a:chOff x="1396387" y="4205045"/>
+              <a:chExt cx="1965650" cy="1800000"/>
+            </a:xfrm>
+          </p:grpSpPr>
+          <p:pic>
+            <p:nvPicPr>
+              <p:cNvPr id="80" name="Picture 79">
+                <a:extLst>
+                  <a:ext uri="{FF2B5EF4-FFF2-40B4-BE49-F238E27FC236}">
+                    <a16:creationId xmlns:a16="http://schemas.microsoft.com/office/drawing/2014/main" id="{EFD0C9B0-1934-8148-86A0-DA3A6888B0F6}"/>
+                  </a:ext>
+                </a:extLst>
+              </p:cNvPr>
+              <p:cNvPicPr>
+                <a:picLocks noChangeAspect="1"/>
+              </p:cNvPicPr>
+              <p:nvPr/>
+            </p:nvPicPr>
+            <p:blipFill>
+              <a:blip r:embed="rId6"/>
+              <a:stretch>
+                <a:fillRect/>
+              </a:stretch>
+            </p:blipFill>
+            <p:spPr>
+              <a:xfrm>
+                <a:off x="1396387" y="4205045"/>
+                <a:ext cx="1800000" cy="1800000"/>
+              </a:xfrm>
+              <a:prstGeom prst="rect">
+                <a:avLst/>
+              </a:prstGeom>
+            </p:spPr>
+          </p:pic>
+          <p:sp>
+            <p:nvSpPr>
+              <p:cNvPr id="69" name="TextBox 68">
+                <a:extLst>
+                  <a:ext uri="{FF2B5EF4-FFF2-40B4-BE49-F238E27FC236}">
+                    <a16:creationId xmlns:a16="http://schemas.microsoft.com/office/drawing/2014/main" id="{C0DC4AAF-3726-C344-9F63-2F88D0F42ACC}"/>
+                  </a:ext>
+                </a:extLst>
+              </p:cNvPr>
+              <p:cNvSpPr txBox="1"/>
+              <p:nvPr/>
+            </p:nvSpPr>
+            <p:spPr>
+              <a:xfrm>
+                <a:off x="1693720" y="4206219"/>
+                <a:ext cx="1343638" cy="253916"/>
+              </a:xfrm>
+              <a:prstGeom prst="rect">
+                <a:avLst/>
+              </a:prstGeom>
+              <a:noFill/>
+            </p:spPr>
+            <p:txBody>
+              <a:bodyPr wrap="none" rtlCol="0">
+                <a:spAutoFit/>
+              </a:bodyPr>
+              <a:lstStyle/>
+              <a:p>
+                <a:r>
+                  <a:rPr lang="en-DK" sz="1050" dirty="0"/>
+                  <a:t>Contextual clustering</a:t>
+                </a:r>
+              </a:p>
+            </p:txBody>
+          </p:sp>
+          <p:sp>
+            <p:nvSpPr>
+              <p:cNvPr id="73" name="TextBox 72">
+                <a:extLst>
+                  <a:ext uri="{FF2B5EF4-FFF2-40B4-BE49-F238E27FC236}">
+                    <a16:creationId xmlns:a16="http://schemas.microsoft.com/office/drawing/2014/main" id="{3AE7B2FD-6C55-AB4E-8104-AB120325A446}"/>
+                  </a:ext>
+                </a:extLst>
+              </p:cNvPr>
+              <p:cNvSpPr txBox="1"/>
+              <p:nvPr/>
+            </p:nvSpPr>
+            <p:spPr>
+              <a:xfrm>
+                <a:off x="2262463" y="5390330"/>
+                <a:ext cx="449161" cy="246221"/>
+              </a:xfrm>
+              <a:prstGeom prst="rect">
+                <a:avLst/>
+              </a:prstGeom>
+              <a:noFill/>
+            </p:spPr>
+            <p:txBody>
+              <a:bodyPr wrap="none" rtlCol="0">
+                <a:spAutoFit/>
+              </a:bodyPr>
+              <a:lstStyle/>
+              <a:p>
+                <a:pPr algn="ctr"/>
+                <a:r>
+                  <a:rPr lang="en-DK" sz="500" dirty="0">
+                    <a:latin typeface="Calibri" panose="020F0502020204030204" pitchFamily="34" charset="0"/>
+                    <a:cs typeface="Calibri" panose="020F0502020204030204" pitchFamily="34" charset="0"/>
+                  </a:rPr>
+                  <a:t>Fatty acid </a:t>
+                </a:r>
+              </a:p>
+              <a:p>
+                <a:pPr algn="ctr"/>
+                <a:r>
+                  <a:rPr lang="en-DK" sz="500" dirty="0">
+                    <a:latin typeface="Calibri" panose="020F0502020204030204" pitchFamily="34" charset="0"/>
+                    <a:cs typeface="Calibri" panose="020F0502020204030204" pitchFamily="34" charset="0"/>
+                  </a:rPr>
+                  <a:t>oxidation</a:t>
+                </a:r>
+              </a:p>
+            </p:txBody>
+          </p:sp>
+          <p:sp>
+            <p:nvSpPr>
+              <p:cNvPr id="74" name="TextBox 73">
+                <a:extLst>
+                  <a:ext uri="{FF2B5EF4-FFF2-40B4-BE49-F238E27FC236}">
+                    <a16:creationId xmlns:a16="http://schemas.microsoft.com/office/drawing/2014/main" id="{788C38D5-2FD0-FB42-9A47-4A710E01D4E8}"/>
+                  </a:ext>
+                </a:extLst>
+              </p:cNvPr>
+              <p:cNvSpPr txBox="1"/>
+              <p:nvPr/>
+            </p:nvSpPr>
+            <p:spPr>
+              <a:xfrm>
+                <a:off x="2754806" y="5469004"/>
+                <a:ext cx="426720" cy="246221"/>
+              </a:xfrm>
+              <a:prstGeom prst="rect">
+                <a:avLst/>
+              </a:prstGeom>
+              <a:noFill/>
+            </p:spPr>
+            <p:txBody>
+              <a:bodyPr wrap="none" rtlCol="0">
+                <a:spAutoFit/>
+              </a:bodyPr>
+              <a:lstStyle/>
+              <a:p>
+                <a:pPr algn="ctr"/>
+                <a:r>
+                  <a:rPr lang="en-DK" sz="500" dirty="0">
+                    <a:latin typeface="Calibri" panose="020F0502020204030204" pitchFamily="34" charset="0"/>
+                    <a:cs typeface="Calibri" panose="020F0502020204030204" pitchFamily="34" charset="0"/>
+                  </a:rPr>
+                  <a:t>Beta </a:t>
+                </a:r>
+              </a:p>
+              <a:p>
+                <a:pPr algn="ctr"/>
+                <a:r>
+                  <a:rPr lang="en-DK" sz="500" dirty="0">
+                    <a:latin typeface="Calibri" panose="020F0502020204030204" pitchFamily="34" charset="0"/>
+                    <a:cs typeface="Calibri" panose="020F0502020204030204" pitchFamily="34" charset="0"/>
+                  </a:rPr>
+                  <a:t>oxidation</a:t>
+                </a:r>
+              </a:p>
+            </p:txBody>
+          </p:sp>
+          <p:sp>
+            <p:nvSpPr>
+              <p:cNvPr id="75" name="Rectangle 74">
+                <a:extLst>
+                  <a:ext uri="{FF2B5EF4-FFF2-40B4-BE49-F238E27FC236}">
+                    <a16:creationId xmlns:a16="http://schemas.microsoft.com/office/drawing/2014/main" id="{0DAC91B5-25DA-2042-90B7-A575D369D224}"/>
+                  </a:ext>
+                </a:extLst>
+              </p:cNvPr>
+              <p:cNvSpPr/>
+              <p:nvPr/>
+            </p:nvSpPr>
+            <p:spPr>
+              <a:xfrm>
+                <a:off x="2786175" y="5194447"/>
+                <a:ext cx="575862" cy="246221"/>
+              </a:xfrm>
+              <a:prstGeom prst="rect">
+                <a:avLst/>
+              </a:prstGeom>
+            </p:spPr>
+            <p:txBody>
+              <a:bodyPr wrap="square">
+                <a:spAutoFit/>
+              </a:bodyPr>
+              <a:lstStyle/>
+              <a:p>
+                <a:pPr algn="ctr"/>
+                <a:r>
+                  <a:rPr lang="en-GB" sz="500" dirty="0">
+                    <a:solidFill>
+                      <a:srgbClr val="000000"/>
+                    </a:solidFill>
+                    <a:latin typeface="Calibri" panose="020F0502020204030204" pitchFamily="34" charset="0"/>
+                    <a:cs typeface="Calibri" panose="020F0502020204030204" pitchFamily="34" charset="0"/>
+                  </a:rPr>
+                  <a:t>Cellular lipid metabolism</a:t>
+                </a:r>
+                <a:endParaRPr lang="en-DK" sz="500" dirty="0">
+                  <a:latin typeface="Calibri" panose="020F0502020204030204" pitchFamily="34" charset="0"/>
+                  <a:cs typeface="Calibri" panose="020F0502020204030204" pitchFamily="34" charset="0"/>
+                </a:endParaRPr>
+              </a:p>
+            </p:txBody>
+          </p:sp>
+        </p:grpSp>
+        <p:grpSp>
+          <p:nvGrpSpPr>
+            <p:cNvPr id="11" name="Group 10">
+              <a:extLst>
+                <a:ext uri="{FF2B5EF4-FFF2-40B4-BE49-F238E27FC236}">
+                  <a16:creationId xmlns:a16="http://schemas.microsoft.com/office/drawing/2014/main" id="{83780A5C-C906-3347-B597-9D75685B4FF3}"/>
+                </a:ext>
+              </a:extLst>
+            </p:cNvPr>
+            <p:cNvGrpSpPr/>
+            <p:nvPr/>
+          </p:nvGrpSpPr>
+          <p:grpSpPr>
+            <a:xfrm>
+              <a:off x="-226858" y="4175380"/>
+              <a:ext cx="1800000" cy="1800000"/>
+              <a:chOff x="-89025" y="4123771"/>
+              <a:chExt cx="1800000" cy="1800000"/>
+            </a:xfrm>
+          </p:grpSpPr>
+          <p:pic>
+            <p:nvPicPr>
+              <p:cNvPr id="78" name="Picture 77">
+                <a:extLst>
+                  <a:ext uri="{FF2B5EF4-FFF2-40B4-BE49-F238E27FC236}">
+                    <a16:creationId xmlns:a16="http://schemas.microsoft.com/office/drawing/2014/main" id="{36E73F38-63FE-F14F-AF1C-1585F9CE462A}"/>
+                  </a:ext>
+                </a:extLst>
+              </p:cNvPr>
+              <p:cNvPicPr>
+                <a:picLocks noChangeAspect="1"/>
+              </p:cNvPicPr>
+              <p:nvPr/>
+            </p:nvPicPr>
+            <p:blipFill>
+              <a:blip r:embed="rId7"/>
+              <a:stretch>
+                <a:fillRect/>
+              </a:stretch>
+            </p:blipFill>
+            <p:spPr>
+              <a:xfrm>
+                <a:off x="-89025" y="4123771"/>
+                <a:ext cx="1800000" cy="1800000"/>
+              </a:xfrm>
+              <a:prstGeom prst="rect">
+                <a:avLst/>
+              </a:prstGeom>
+            </p:spPr>
+          </p:pic>
+          <p:sp>
+            <p:nvSpPr>
+              <p:cNvPr id="71" name="TextBox 70">
+                <a:extLst>
+                  <a:ext uri="{FF2B5EF4-FFF2-40B4-BE49-F238E27FC236}">
+                    <a16:creationId xmlns:a16="http://schemas.microsoft.com/office/drawing/2014/main" id="{6434CC9D-CA88-D044-81E0-BBE17765AA85}"/>
+                  </a:ext>
+                </a:extLst>
+              </p:cNvPr>
+              <p:cNvSpPr txBox="1"/>
+              <p:nvPr/>
+            </p:nvSpPr>
+            <p:spPr>
+              <a:xfrm>
+                <a:off x="269232" y="5088620"/>
+                <a:ext cx="449161" cy="246221"/>
+              </a:xfrm>
+              <a:prstGeom prst="rect">
+                <a:avLst/>
+              </a:prstGeom>
+              <a:noFill/>
+            </p:spPr>
+            <p:txBody>
+              <a:bodyPr wrap="none" rtlCol="0">
+                <a:spAutoFit/>
+              </a:bodyPr>
+              <a:lstStyle/>
+              <a:p>
+                <a:pPr algn="ctr"/>
+                <a:r>
+                  <a:rPr lang="en-DK" sz="500" dirty="0"/>
+                  <a:t>Fatty acid </a:t>
+                </a:r>
+              </a:p>
+              <a:p>
+                <a:pPr algn="ctr"/>
+                <a:r>
+                  <a:rPr lang="en-DK" sz="500" dirty="0"/>
+                  <a:t>oxidation</a:t>
+                </a:r>
+              </a:p>
+            </p:txBody>
+          </p:sp>
+          <p:sp>
+            <p:nvSpPr>
+              <p:cNvPr id="72" name="TextBox 71">
+                <a:extLst>
+                  <a:ext uri="{FF2B5EF4-FFF2-40B4-BE49-F238E27FC236}">
+                    <a16:creationId xmlns:a16="http://schemas.microsoft.com/office/drawing/2014/main" id="{CBFFF2D0-89E9-5C46-BF0F-BECC09A17D6F}"/>
+                  </a:ext>
+                </a:extLst>
+              </p:cNvPr>
+              <p:cNvSpPr txBox="1"/>
+              <p:nvPr/>
+            </p:nvSpPr>
+            <p:spPr>
+              <a:xfrm>
+                <a:off x="432852" y="5471362"/>
+                <a:ext cx="426720" cy="246221"/>
+              </a:xfrm>
+              <a:prstGeom prst="rect">
+                <a:avLst/>
+              </a:prstGeom>
+              <a:noFill/>
+            </p:spPr>
+            <p:txBody>
+              <a:bodyPr wrap="none" rtlCol="0">
+                <a:spAutoFit/>
+              </a:bodyPr>
+              <a:lstStyle/>
+              <a:p>
+                <a:pPr algn="ctr"/>
+                <a:r>
+                  <a:rPr lang="en-DK" sz="500" dirty="0"/>
+                  <a:t>Beta </a:t>
+                </a:r>
+              </a:p>
+              <a:p>
+                <a:pPr algn="ctr"/>
+                <a:r>
+                  <a:rPr lang="en-DK" sz="500" dirty="0"/>
+                  <a:t>oxidation</a:t>
+                </a:r>
+              </a:p>
+            </p:txBody>
+          </p:sp>
+        </p:grpSp>
+        <p:cxnSp>
+          <p:nvCxnSpPr>
+            <p:cNvPr id="92" name="Straight Arrow Connector 91">
+              <a:extLst>
+                <a:ext uri="{FF2B5EF4-FFF2-40B4-BE49-F238E27FC236}">
+                  <a16:creationId xmlns:a16="http://schemas.microsoft.com/office/drawing/2014/main" id="{3C650CDC-4B8D-624A-80D0-69B7BB48412F}"/>
+                </a:ext>
+              </a:extLst>
+            </p:cNvPr>
+            <p:cNvCxnSpPr>
+              <a:cxnSpLocks/>
+            </p:cNvCxnSpPr>
+            <p:nvPr/>
+          </p:nvCxnSpPr>
+          <p:spPr>
+            <a:xfrm>
+              <a:off x="3241458" y="5152154"/>
+              <a:ext cx="212118" cy="0"/>
+            </a:xfrm>
+            <a:prstGeom prst="straightConnector1">
+              <a:avLst/>
+            </a:prstGeom>
+            <a:ln w="28575">
+              <a:solidFill>
+                <a:schemeClr val="tx1"/>
+              </a:solidFill>
+              <a:tailEnd type="triangle"/>
+            </a:ln>
+          </p:spPr>
+          <p:style>
+            <a:lnRef idx="1">
+              <a:schemeClr val="accent1"/>
+            </a:lnRef>
+            <a:fillRef idx="0">
+              <a:schemeClr val="accent1"/>
+            </a:fillRef>
+            <a:effectRef idx="0">
+              <a:schemeClr val="accent1"/>
+            </a:effectRef>
+            <a:fontRef idx="minor">
+              <a:schemeClr val="tx1"/>
+            </a:fontRef>
+          </p:style>
+        </p:cxnSp>
+        <p:cxnSp>
+          <p:nvCxnSpPr>
+            <p:cNvPr id="93" name="Straight Arrow Connector 92">
+              <a:extLst>
+                <a:ext uri="{FF2B5EF4-FFF2-40B4-BE49-F238E27FC236}">
+                  <a16:creationId xmlns:a16="http://schemas.microsoft.com/office/drawing/2014/main" id="{1488C2C6-6985-E94D-89E4-99EC4B0CFA09}"/>
+                </a:ext>
+              </a:extLst>
+            </p:cNvPr>
+            <p:cNvCxnSpPr>
+              <a:cxnSpLocks/>
+            </p:cNvCxnSpPr>
+            <p:nvPr/>
+          </p:nvCxnSpPr>
+          <p:spPr>
+            <a:xfrm>
+              <a:off x="1419405" y="5152154"/>
+              <a:ext cx="212118" cy="0"/>
             </a:xfrm>
             <a:prstGeom prst="straightConnector1">
               <a:avLst/>
@@ -3904,47 +4466,12 @@
           </p:style>
         </p:cxnSp>
       </p:grpSp>
-      <p:sp>
-        <p:nvSpPr>
-          <p:cNvPr id="32" name="TextBox 31">
+      <p:pic>
+        <p:nvPicPr>
+          <p:cNvPr id="17" name="Picture 16">
             <a:extLst>
               <a:ext uri="{FF2B5EF4-FFF2-40B4-BE49-F238E27FC236}">
-                <a16:creationId xmlns:a16="http://schemas.microsoft.com/office/drawing/2014/main" id="{C29D880C-9A27-0F48-B658-F7F3E476BF91}"/>
-              </a:ext>
-            </a:extLst>
-          </p:cNvPr>
-          <p:cNvSpPr txBox="1"/>
-          <p:nvPr/>
-        </p:nvSpPr>
-        <p:spPr>
-          <a:xfrm>
-            <a:off x="3582673" y="170761"/>
-            <a:ext cx="317716" cy="369332"/>
-          </a:xfrm>
-          <a:prstGeom prst="rect">
-            <a:avLst/>
-          </a:prstGeom>
-          <a:noFill/>
-        </p:spPr>
-        <p:txBody>
-          <a:bodyPr wrap="none" rtlCol="0">
-            <a:spAutoFit/>
-          </a:bodyPr>
-          <a:lstStyle/>
-          <a:p>
-            <a:r>
-              <a:rPr lang="en-DK" dirty="0"/>
-              <a:t>B</a:t>
-            </a:r>
-          </a:p>
-        </p:txBody>
-      </p:sp>
-      <p:pic>
-        <p:nvPicPr>
-          <p:cNvPr id="33" name="Picture 32">
-            <a:extLst>
-              <a:ext uri="{FF2B5EF4-FFF2-40B4-BE49-F238E27FC236}">
-                <a16:creationId xmlns:a16="http://schemas.microsoft.com/office/drawing/2014/main" id="{D54FD453-7976-054C-AAEC-1FA990319F66}"/>
+                <a16:creationId xmlns:a16="http://schemas.microsoft.com/office/drawing/2014/main" id="{143E365A-4D6D-5B4A-952B-B4796FE710A3}"/>
               </a:ext>
             </a:extLst>
           </p:cNvPr>
@@ -3954,15 +4481,45 @@
           <p:nvPr/>
         </p:nvPicPr>
         <p:blipFill>
-          <a:blip r:embed="rId7"/>
+          <a:blip r:embed="rId8"/>
           <a:stretch>
             <a:fillRect/>
           </a:stretch>
         </p:blipFill>
         <p:spPr>
           <a:xfrm>
-            <a:off x="3446575" y="579964"/>
-            <a:ext cx="3329503" cy="2774585"/>
+            <a:off x="-59726" y="2786500"/>
+            <a:ext cx="5515502" cy="2542162"/>
+          </a:xfrm>
+          <a:prstGeom prst="rect">
+            <a:avLst/>
+          </a:prstGeom>
+        </p:spPr>
+      </p:pic>
+      <p:pic>
+        <p:nvPicPr>
+          <p:cNvPr id="3" name="Picture 2">
+            <a:extLst>
+              <a:ext uri="{FF2B5EF4-FFF2-40B4-BE49-F238E27FC236}">
+                <a16:creationId xmlns:a16="http://schemas.microsoft.com/office/drawing/2014/main" id="{3D8523A2-69D8-E44C-A756-68B87EA3B1DF}"/>
+              </a:ext>
+            </a:extLst>
+          </p:cNvPr>
+          <p:cNvPicPr>
+            <a:picLocks noChangeAspect="1"/>
+          </p:cNvPicPr>
+          <p:nvPr/>
+        </p:nvPicPr>
+        <p:blipFill>
+          <a:blip r:embed="rId9"/>
+          <a:stretch>
+            <a:fillRect/>
+          </a:stretch>
+        </p:blipFill>
+        <p:spPr>
+          <a:xfrm>
+            <a:off x="0" y="489555"/>
+            <a:ext cx="6858000" cy="2921000"/>
           </a:xfrm>
           <a:prstGeom prst="rect">
             <a:avLst/>
@@ -3999,152 +4556,12 @@
           <a:chExt cx="0" cy="0"/>
         </a:xfrm>
       </p:grpSpPr>
-      <p:sp>
-        <p:nvSpPr>
-          <p:cNvPr id="6" name="TextBox 5">
+      <p:pic>
+        <p:nvPicPr>
+          <p:cNvPr id="13" name="Picture 12">
             <a:extLst>
               <a:ext uri="{FF2B5EF4-FFF2-40B4-BE49-F238E27FC236}">
-                <a16:creationId xmlns:a16="http://schemas.microsoft.com/office/drawing/2014/main" id="{D6101402-4BBA-B645-BB4D-DAE79E6F8A59}"/>
-              </a:ext>
-            </a:extLst>
-          </p:cNvPr>
-          <p:cNvSpPr txBox="1"/>
-          <p:nvPr/>
-        </p:nvSpPr>
-        <p:spPr>
-          <a:xfrm>
-            <a:off x="218114" y="268448"/>
-            <a:ext cx="317716" cy="369332"/>
-          </a:xfrm>
-          <a:prstGeom prst="rect">
-            <a:avLst/>
-          </a:prstGeom>
-          <a:noFill/>
-        </p:spPr>
-        <p:txBody>
-          <a:bodyPr wrap="none" rtlCol="0">
-            <a:spAutoFit/>
-          </a:bodyPr>
-          <a:lstStyle/>
-          <a:p>
-            <a:r>
-              <a:rPr lang="en-DK" dirty="0"/>
-              <a:t>A</a:t>
-            </a:r>
-          </a:p>
-        </p:txBody>
-      </p:sp>
-      <p:sp>
-        <p:nvSpPr>
-          <p:cNvPr id="8" name="TextBox 7">
-            <a:extLst>
-              <a:ext uri="{FF2B5EF4-FFF2-40B4-BE49-F238E27FC236}">
-                <a16:creationId xmlns:a16="http://schemas.microsoft.com/office/drawing/2014/main" id="{A99FB83A-42E4-4E4E-B43A-6523DF59A6E0}"/>
-              </a:ext>
-            </a:extLst>
-          </p:cNvPr>
-          <p:cNvSpPr txBox="1"/>
-          <p:nvPr/>
-        </p:nvSpPr>
-        <p:spPr>
-          <a:xfrm>
-            <a:off x="2468500" y="251603"/>
-            <a:ext cx="317716" cy="369332"/>
-          </a:xfrm>
-          <a:prstGeom prst="rect">
-            <a:avLst/>
-          </a:prstGeom>
-          <a:noFill/>
-        </p:spPr>
-        <p:txBody>
-          <a:bodyPr wrap="none" rtlCol="0">
-            <a:spAutoFit/>
-          </a:bodyPr>
-          <a:lstStyle/>
-          <a:p>
-            <a:r>
-              <a:rPr lang="en-DK" dirty="0"/>
-              <a:t>B</a:t>
-            </a:r>
-          </a:p>
-        </p:txBody>
-      </p:sp>
-      <p:sp>
-        <p:nvSpPr>
-          <p:cNvPr id="9" name="TextBox 8">
-            <a:extLst>
-              <a:ext uri="{FF2B5EF4-FFF2-40B4-BE49-F238E27FC236}">
-                <a16:creationId xmlns:a16="http://schemas.microsoft.com/office/drawing/2014/main" id="{AF7EF072-6A2A-464A-8BAE-510276BEB2F9}"/>
-              </a:ext>
-            </a:extLst>
-          </p:cNvPr>
-          <p:cNvSpPr txBox="1"/>
-          <p:nvPr/>
-        </p:nvSpPr>
-        <p:spPr>
-          <a:xfrm>
-            <a:off x="4698434" y="268448"/>
-            <a:ext cx="317716" cy="369332"/>
-          </a:xfrm>
-          <a:prstGeom prst="rect">
-            <a:avLst/>
-          </a:prstGeom>
-          <a:noFill/>
-        </p:spPr>
-        <p:txBody>
-          <a:bodyPr wrap="none" rtlCol="0">
-            <a:spAutoFit/>
-          </a:bodyPr>
-          <a:lstStyle/>
-          <a:p>
-            <a:r>
-              <a:rPr lang="en-DK" dirty="0"/>
-              <a:t>C</a:t>
-            </a:r>
-          </a:p>
-        </p:txBody>
-      </p:sp>
-      <p:sp>
-        <p:nvSpPr>
-          <p:cNvPr id="10" name="TextBox 9">
-            <a:extLst>
-              <a:ext uri="{FF2B5EF4-FFF2-40B4-BE49-F238E27FC236}">
-                <a16:creationId xmlns:a16="http://schemas.microsoft.com/office/drawing/2014/main" id="{C7A75B35-11A6-374E-9830-48FEE2409450}"/>
-              </a:ext>
-            </a:extLst>
-          </p:cNvPr>
-          <p:cNvSpPr txBox="1"/>
-          <p:nvPr/>
-        </p:nvSpPr>
-        <p:spPr>
-          <a:xfrm>
-            <a:off x="4828032" y="9005011"/>
-            <a:ext cx="936667" cy="369332"/>
-          </a:xfrm>
-          <a:prstGeom prst="rect">
-            <a:avLst/>
-          </a:prstGeom>
-          <a:noFill/>
-        </p:spPr>
-        <p:txBody>
-          <a:bodyPr wrap="none" rtlCol="0">
-            <a:spAutoFit/>
-          </a:bodyPr>
-          <a:lstStyle/>
-          <a:p>
-            <a:r>
-              <a:rPr lang="en-DK" dirty="0"/>
-              <a:t>Figure 3</a:t>
-            </a:r>
-          </a:p>
-        </p:txBody>
-      </p:sp>
-      <p:pic>
-        <p:nvPicPr>
-          <p:cNvPr id="14" name="Picture 13">
-            <a:extLst>
-              <a:ext uri="{FF2B5EF4-FFF2-40B4-BE49-F238E27FC236}">
-                <a16:creationId xmlns:a16="http://schemas.microsoft.com/office/drawing/2014/main" id="{ED94880E-1DED-4F47-BDAA-4F87BD11EB84}"/>
+                <a16:creationId xmlns:a16="http://schemas.microsoft.com/office/drawing/2014/main" id="{1756DB83-99BD-5D4E-8A61-220811874CEB}"/>
               </a:ext>
             </a:extLst>
           </p:cNvPr>
@@ -4161,8 +4578,8 @@
         </p:blipFill>
         <p:spPr>
           <a:xfrm>
-            <a:off x="-37475" y="637780"/>
-            <a:ext cx="6858000" cy="3000375"/>
+            <a:off x="0" y="58941"/>
+            <a:ext cx="6858000" cy="5853545"/>
           </a:xfrm>
           <a:prstGeom prst="rect">
             <a:avLst/>
@@ -4172,7 +4589,7 @@
     </p:spTree>
     <p:extLst>
       <p:ext uri="{BB962C8B-B14F-4D97-AF65-F5344CB8AC3E}">
-        <p14:creationId xmlns:p14="http://schemas.microsoft.com/office/powerpoint/2010/main" val="1985162281"/>
+        <p14:creationId xmlns:p14="http://schemas.microsoft.com/office/powerpoint/2010/main" val="3855755542"/>
       </p:ext>
     </p:extLst>
   </p:cSld>
@@ -4229,6 +4646,45 @@
           </a:prstGeom>
         </p:spPr>
       </p:pic>
+      <p:sp>
+        <p:nvSpPr>
+          <p:cNvPr id="2" name="TextBox 1">
+            <a:extLst>
+              <a:ext uri="{FF2B5EF4-FFF2-40B4-BE49-F238E27FC236}">
+                <a16:creationId xmlns:a16="http://schemas.microsoft.com/office/drawing/2014/main" id="{6348B6DB-7264-3943-AE1C-B5C0006EEF8C}"/>
+              </a:ext>
+            </a:extLst>
+          </p:cNvPr>
+          <p:cNvSpPr txBox="1"/>
+          <p:nvPr/>
+        </p:nvSpPr>
+        <p:spPr>
+          <a:xfrm>
+            <a:off x="856852" y="5102736"/>
+            <a:ext cx="5225661" cy="369332"/>
+          </a:xfrm>
+          <a:prstGeom prst="rect">
+            <a:avLst/>
+          </a:prstGeom>
+          <a:noFill/>
+        </p:spPr>
+        <p:txBody>
+          <a:bodyPr wrap="none" rtlCol="0">
+            <a:spAutoFit/>
+          </a:bodyPr>
+          <a:lstStyle/>
+          <a:p>
+            <a:r>
+              <a:rPr lang="en-GB" dirty="0"/>
+              <a:t>T</a:t>
+            </a:r>
+            <a:r>
+              <a:rPr lang="en-DK" dirty="0"/>
+              <a:t>ry really really small n number and sample per group</a:t>
+            </a:r>
+          </a:p>
+        </p:txBody>
+      </p:sp>
     </p:spTree>
     <p:extLst>
       <p:ext uri="{BB962C8B-B14F-4D97-AF65-F5344CB8AC3E}">
